--- a/slides/02_fetching_data.pptx
+++ b/slides/02_fetching_data.pptx
@@ -17,6 +17,12 @@
     <p:sldId id="265" r:id="rId11"/>
     <p:sldId id="266" r:id="rId12"/>
     <p:sldId id="267" r:id="rId13"/>
+    <p:sldId id="268" r:id="rId14"/>
+    <p:sldId id="269" r:id="rId15"/>
+    <p:sldId id="270" r:id="rId16"/>
+    <p:sldId id="271" r:id="rId17"/>
+    <p:sldId id="272" r:id="rId18"/>
+    <p:sldId id="273" r:id="rId19"/>
   </p:sldIdLst>
   <p:sldSz cx="12192000" cy="6858000"/>
   <p:notesSz cx="6858000" cy="9144000"/>
@@ -5255,7 +5261,7 @@
             </a:pPr>
             <a:r>
               <a:rPr/>
-              <a:t>Breakout Room Activity</a:t>
+              <a:t>Parsing JSON Data</a:t>
             </a:r>
           </a:p>
         </p:txBody>
@@ -5278,21 +5284,34 @@
             <a:pPr lvl="0"/>
             <a:r>
               <a:rPr/>
-              <a:t>Emphasize the importance of teamwork and collaboration in the project.</a:t>
+              <a:t>JSON used to represent data.</a:t>
             </a:r>
           </a:p>
           <a:p>
             <a:pPr lvl="0"/>
             <a:r>
+              <a:rPr>
+                <a:latin typeface="Courier"/>
+              </a:rPr>
+              <a:t>import json</a:t>
+            </a:r>
+            <a:r>
               <a:rPr/>
-              <a:t>Encourage students to work together to fetch and parse data for different cities.</a:t>
+              <a:t> to serialise list, dict etc to JSON</a:t>
             </a:r>
           </a:p>
           <a:p>
             <a:pPr lvl="0"/>
             <a:r>
               <a:rPr/>
-              <a:t>Encourage students to share their findings and discuss challenges.</a:t>
+              <a:t>response.json() convert JSON to Python dict.</a:t>
+            </a:r>
+          </a:p>
+          <a:p>
+            <a:pPr lvl="0"/>
+            <a:r>
+              <a:rPr/>
+              <a:t>Highlight the importance of data parsing and how it is used in the weather dashboard project.</a:t>
             </a:r>
           </a:p>
         </p:txBody>
@@ -5382,7 +5401,7 @@
             </a:pPr>
             <a:r>
               <a:rPr/>
-              <a:t>Q&amp;A and Wrap-Up</a:t>
+              <a:t>Example - parse_weather_data</a:t>
             </a:r>
           </a:p>
         </p:txBody>
@@ -5402,31 +5421,399 @@
           <a:bodyPr/>
           <a:lstStyle/>
           <a:p>
-            <a:pPr lvl="0"/>
-            <a:r>
-              <a:rPr/>
-              <a:t>In this session, we learned how to fetch weather data from the OpenWeatherMap API, parse the JSON response, and save the data to a CSV file. We also covered basic error handling to manage failed API requests.</a:t>
-            </a:r>
-          </a:p>
-          <a:p>
-            <a:pPr lvl="0"/>
-            <a:r>
-              <a:rPr/>
-              <a:t>Any questions”</a:t>
-            </a:r>
-          </a:p>
-          <a:p>
-            <a:pPr lvl="0"/>
-            <a:r>
-              <a:rPr/>
-              <a:t>The importance of practicing and experimenting with the concepts learned in the session.</a:t>
-            </a:r>
-          </a:p>
-          <a:p>
-            <a:pPr lvl="0"/>
-            <a:r>
-              <a:rPr/>
-              <a:t>Next session, we will focus on managing data with CSV and SQL.</a:t>
+            <a:pPr lvl="0" indent="0">
+              <a:buNone/>
+            </a:pPr>
+            <a:r>
+              <a:rPr>
+                <a:solidFill>
+                  <a:srgbClr val="003B4F"/>
+                </a:solidFill>
+                <a:latin typeface="Courier"/>
+              </a:rPr>
+              <a:t>def parse_weather_data(data):</a:t>
+            </a:r>
+            <a:br/>
+            <a:r>
+              <a:rPr>
+                <a:solidFill>
+                  <a:srgbClr val="003B4F"/>
+                </a:solidFill>
+                <a:latin typeface="Courier"/>
+              </a:rPr>
+              <a:t>    if data:</a:t>
+            </a:r>
+            <a:br/>
+            <a:r>
+              <a:rPr>
+                <a:solidFill>
+                  <a:srgbClr val="003B4F"/>
+                </a:solidFill>
+                <a:latin typeface="Courier"/>
+              </a:rPr>
+              <a:t>        weather </a:t>
+            </a:r>
+            <a:r>
+              <a:rPr>
+                <a:solidFill>
+                  <a:srgbClr val="5E5E5E"/>
+                </a:solidFill>
+                <a:latin typeface="Courier"/>
+              </a:rPr>
+              <a:t>=</a:t>
+            </a:r>
+            <a:r>
+              <a:rPr>
+                <a:solidFill>
+                  <a:srgbClr val="003B4F"/>
+                </a:solidFill>
+                <a:latin typeface="Courier"/>
+              </a:rPr>
+              <a:t> {</a:t>
+            </a:r>
+            <a:br/>
+            <a:r>
+              <a:rPr>
+                <a:solidFill>
+                  <a:srgbClr val="003B4F"/>
+                </a:solidFill>
+                <a:latin typeface="Courier"/>
+              </a:rPr>
+              <a:t>            </a:t>
+            </a:r>
+            <a:r>
+              <a:rPr>
+                <a:solidFill>
+                  <a:srgbClr val="20794D"/>
+                </a:solidFill>
+                <a:latin typeface="Courier"/>
+              </a:rPr>
+              <a:t>"Location"</a:t>
+            </a:r>
+            <a:r>
+              <a:rPr>
+                <a:solidFill>
+                  <a:srgbClr val="003B4F"/>
+                </a:solidFill>
+                <a:latin typeface="Courier"/>
+              </a:rPr>
+              <a:t>: data[</a:t>
+            </a:r>
+            <a:r>
+              <a:rPr>
+                <a:solidFill>
+                  <a:srgbClr val="20794D"/>
+                </a:solidFill>
+                <a:latin typeface="Courier"/>
+              </a:rPr>
+              <a:t>"name"</a:t>
+            </a:r>
+            <a:r>
+              <a:rPr>
+                <a:solidFill>
+                  <a:srgbClr val="003B4F"/>
+                </a:solidFill>
+                <a:latin typeface="Courier"/>
+              </a:rPr>
+              <a:t>],</a:t>
+            </a:r>
+            <a:br/>
+            <a:r>
+              <a:rPr>
+                <a:solidFill>
+                  <a:srgbClr val="003B4F"/>
+                </a:solidFill>
+                <a:latin typeface="Courier"/>
+              </a:rPr>
+              <a:t>            </a:t>
+            </a:r>
+            <a:r>
+              <a:rPr>
+                <a:solidFill>
+                  <a:srgbClr val="20794D"/>
+                </a:solidFill>
+                <a:latin typeface="Courier"/>
+              </a:rPr>
+              <a:t>"Temperature (K)"</a:t>
+            </a:r>
+            <a:r>
+              <a:rPr>
+                <a:solidFill>
+                  <a:srgbClr val="003B4F"/>
+                </a:solidFill>
+                <a:latin typeface="Courier"/>
+              </a:rPr>
+              <a:t>: data[</a:t>
+            </a:r>
+            <a:r>
+              <a:rPr>
+                <a:solidFill>
+                  <a:srgbClr val="20794D"/>
+                </a:solidFill>
+                <a:latin typeface="Courier"/>
+              </a:rPr>
+              <a:t>"main"</a:t>
+            </a:r>
+            <a:r>
+              <a:rPr>
+                <a:solidFill>
+                  <a:srgbClr val="003B4F"/>
+                </a:solidFill>
+                <a:latin typeface="Courier"/>
+              </a:rPr>
+              <a:t>][</a:t>
+            </a:r>
+            <a:r>
+              <a:rPr>
+                <a:solidFill>
+                  <a:srgbClr val="20794D"/>
+                </a:solidFill>
+                <a:latin typeface="Courier"/>
+              </a:rPr>
+              <a:t>"temp"</a:t>
+            </a:r>
+            <a:r>
+              <a:rPr>
+                <a:solidFill>
+                  <a:srgbClr val="003B4F"/>
+                </a:solidFill>
+                <a:latin typeface="Courier"/>
+              </a:rPr>
+              <a:t>],</a:t>
+            </a:r>
+            <a:br/>
+            <a:r>
+              <a:rPr>
+                <a:solidFill>
+                  <a:srgbClr val="003B4F"/>
+                </a:solidFill>
+                <a:latin typeface="Courier"/>
+              </a:rPr>
+              <a:t>            </a:t>
+            </a:r>
+            <a:r>
+              <a:rPr>
+                <a:solidFill>
+                  <a:srgbClr val="20794D"/>
+                </a:solidFill>
+                <a:latin typeface="Courier"/>
+              </a:rPr>
+              <a:t>"Humidity (%)"</a:t>
+            </a:r>
+            <a:r>
+              <a:rPr>
+                <a:solidFill>
+                  <a:srgbClr val="003B4F"/>
+                </a:solidFill>
+                <a:latin typeface="Courier"/>
+              </a:rPr>
+              <a:t>: data[</a:t>
+            </a:r>
+            <a:r>
+              <a:rPr>
+                <a:solidFill>
+                  <a:srgbClr val="20794D"/>
+                </a:solidFill>
+                <a:latin typeface="Courier"/>
+              </a:rPr>
+              <a:t>"main"</a:t>
+            </a:r>
+            <a:r>
+              <a:rPr>
+                <a:solidFill>
+                  <a:srgbClr val="003B4F"/>
+                </a:solidFill>
+                <a:latin typeface="Courier"/>
+              </a:rPr>
+              <a:t>][</a:t>
+            </a:r>
+            <a:r>
+              <a:rPr>
+                <a:solidFill>
+                  <a:srgbClr val="20794D"/>
+                </a:solidFill>
+                <a:latin typeface="Courier"/>
+              </a:rPr>
+              <a:t>"humidity"</a:t>
+            </a:r>
+            <a:r>
+              <a:rPr>
+                <a:solidFill>
+                  <a:srgbClr val="003B4F"/>
+                </a:solidFill>
+                <a:latin typeface="Courier"/>
+              </a:rPr>
+              <a:t>],</a:t>
+            </a:r>
+            <a:br/>
+            <a:r>
+              <a:rPr>
+                <a:solidFill>
+                  <a:srgbClr val="003B4F"/>
+                </a:solidFill>
+                <a:latin typeface="Courier"/>
+              </a:rPr>
+              <a:t>            </a:t>
+            </a:r>
+            <a:r>
+              <a:rPr>
+                <a:solidFill>
+                  <a:srgbClr val="20794D"/>
+                </a:solidFill>
+                <a:latin typeface="Courier"/>
+              </a:rPr>
+              <a:t>"Weather"</a:t>
+            </a:r>
+            <a:r>
+              <a:rPr>
+                <a:solidFill>
+                  <a:srgbClr val="003B4F"/>
+                </a:solidFill>
+                <a:latin typeface="Courier"/>
+              </a:rPr>
+              <a:t>: data[</a:t>
+            </a:r>
+            <a:r>
+              <a:rPr>
+                <a:solidFill>
+                  <a:srgbClr val="20794D"/>
+                </a:solidFill>
+                <a:latin typeface="Courier"/>
+              </a:rPr>
+              <a:t>"weather"</a:t>
+            </a:r>
+            <a:r>
+              <a:rPr>
+                <a:solidFill>
+                  <a:srgbClr val="003B4F"/>
+                </a:solidFill>
+                <a:latin typeface="Courier"/>
+              </a:rPr>
+              <a:t>][</a:t>
+            </a:r>
+            <a:r>
+              <a:rPr>
+                <a:solidFill>
+                  <a:srgbClr val="AD0000"/>
+                </a:solidFill>
+                <a:latin typeface="Courier"/>
+              </a:rPr>
+              <a:t>0</a:t>
+            </a:r>
+            <a:r>
+              <a:rPr>
+                <a:solidFill>
+                  <a:srgbClr val="003B4F"/>
+                </a:solidFill>
+                <a:latin typeface="Courier"/>
+              </a:rPr>
+              <a:t>][</a:t>
+            </a:r>
+            <a:r>
+              <a:rPr>
+                <a:solidFill>
+                  <a:srgbClr val="20794D"/>
+                </a:solidFill>
+                <a:latin typeface="Courier"/>
+              </a:rPr>
+              <a:t>"description"</a:t>
+            </a:r>
+            <a:r>
+              <a:rPr>
+                <a:solidFill>
+                  <a:srgbClr val="003B4F"/>
+                </a:solidFill>
+                <a:latin typeface="Courier"/>
+              </a:rPr>
+              <a:t>]</a:t>
+            </a:r>
+            <a:br/>
+            <a:r>
+              <a:rPr>
+                <a:solidFill>
+                  <a:srgbClr val="003B4F"/>
+                </a:solidFill>
+                <a:latin typeface="Courier"/>
+              </a:rPr>
+              <a:t>        }</a:t>
+            </a:r>
+            <a:br/>
+            <a:r>
+              <a:rPr>
+                <a:solidFill>
+                  <a:srgbClr val="003B4F"/>
+                </a:solidFill>
+                <a:latin typeface="Courier"/>
+              </a:rPr>
+              <a:t>        return weather</a:t>
+            </a:r>
+            <a:br/>
+            <a:r>
+              <a:rPr>
+                <a:solidFill>
+                  <a:srgbClr val="003B4F"/>
+                </a:solidFill>
+                <a:latin typeface="Courier"/>
+              </a:rPr>
+              <a:t>    else:</a:t>
+            </a:r>
+            <a:br/>
+            <a:r>
+              <a:rPr>
+                <a:solidFill>
+                  <a:srgbClr val="003B4F"/>
+                </a:solidFill>
+                <a:latin typeface="Courier"/>
+              </a:rPr>
+              <a:t>        return </a:t>
+            </a:r>
+            <a:r>
+              <a:rPr>
+                <a:solidFill>
+                  <a:srgbClr val="111111"/>
+                </a:solidFill>
+                <a:latin typeface="Courier"/>
+              </a:rPr>
+              <a:t>None</a:t>
+            </a:r>
+            <a:br/>
+            <a:br/>
+            <a:r>
+              <a:rPr>
+                <a:solidFill>
+                  <a:srgbClr val="003B4F"/>
+                </a:solidFill>
+                <a:latin typeface="Courier"/>
+              </a:rPr>
+              <a:t>parsed_data </a:t>
+            </a:r>
+            <a:r>
+              <a:rPr>
+                <a:solidFill>
+                  <a:srgbClr val="5E5E5E"/>
+                </a:solidFill>
+                <a:latin typeface="Courier"/>
+              </a:rPr>
+              <a:t>=</a:t>
+            </a:r>
+            <a:r>
+              <a:rPr>
+                <a:solidFill>
+                  <a:srgbClr val="003B4F"/>
+                </a:solidFill>
+                <a:latin typeface="Courier"/>
+              </a:rPr>
+              <a:t> parse_weather_data(data)</a:t>
+            </a:r>
+            <a:br/>
+            <a:r>
+              <a:rPr>
+                <a:solidFill>
+                  <a:srgbClr val="003B4F"/>
+                </a:solidFill>
+                <a:latin typeface="Courier"/>
+              </a:rPr>
+              <a:t>parsed_data</a:t>
             </a:r>
           </a:p>
         </p:txBody>
@@ -5480,6 +5867,1027 @@
 </file>
 
 <file path=ppt/slides/slide12.xml><?xml version="1.0" encoding="utf-8"?>
+<p:sld xmlns:a="http://schemas.openxmlformats.org/drawingml/2006/main" xmlns:r="http://schemas.openxmlformats.org/officeDocument/2006/relationships" xmlns:p="http://schemas.openxmlformats.org/presentationml/2006/main">
+  <p:cSld>
+    <p:spTree>
+      <p:nvGrpSpPr>
+        <p:cNvPr id="1" name=""/>
+        <p:cNvGrpSpPr/>
+        <p:nvPr/>
+      </p:nvGrpSpPr>
+      <p:grpSpPr>
+        <a:xfrm>
+          <a:off x="0" y="0"/>
+          <a:ext cx="0" cy="0"/>
+          <a:chOff x="0" y="0"/>
+          <a:chExt cx="0" cy="0"/>
+        </a:xfrm>
+      </p:grpSpPr>
+      <p:sp>
+        <p:nvSpPr>
+          <p:cNvPr id="2" name="Title 1"/>
+          <p:cNvSpPr>
+            <a:spLocks noGrp="1"/>
+          </p:cNvSpPr>
+          <p:nvPr>
+            <p:ph type="title"/>
+          </p:nvPr>
+        </p:nvSpPr>
+        <p:spPr/>
+        <p:txBody>
+          <a:bodyPr/>
+          <a:lstStyle/>
+          <a:p>
+            <a:pPr lvl="0" indent="0" marL="0">
+              <a:buNone/>
+            </a:pPr>
+            <a:r>
+              <a:rPr/>
+              <a:t>Saving Data to a CSV File</a:t>
+            </a:r>
+          </a:p>
+        </p:txBody>
+      </p:sp>
+      <p:sp>
+        <p:nvSpPr>
+          <p:cNvPr id="3" name="Content Placeholder 2"/>
+          <p:cNvSpPr>
+            <a:spLocks noGrp="1"/>
+          </p:cNvSpPr>
+          <p:nvPr>
+            <p:ph idx="1"/>
+          </p:nvPr>
+        </p:nvSpPr>
+        <p:spPr/>
+        <p:txBody>
+          <a:bodyPr/>
+          <a:lstStyle/>
+          <a:p>
+            <a:pPr lvl="0"/>
+            <a:r>
+              <a:rPr/>
+              <a:t>CSV another format for sharing data</a:t>
+            </a:r>
+          </a:p>
+          <a:p>
+            <a:pPr lvl="0"/>
+            <a:r>
+              <a:rPr/>
+              <a:t>We’ll save the fetched data to a CSV file using pandas.</a:t>
+            </a:r>
+          </a:p>
+          <a:p>
+            <a:pPr lvl="0"/>
+            <a:r>
+              <a:rPr/>
+              <a:t>pandas open-source library for data manipulation and analysis</a:t>
+            </a:r>
+          </a:p>
+        </p:txBody>
+      </p:sp>
+      <p:sp>
+        <p:nvSpPr>
+          <p:cNvPr id="11" name="Footer Placeholder 4"/>
+          <p:cNvSpPr>
+            <a:spLocks noGrp="1"/>
+          </p:cNvSpPr>
+          <p:nvPr>
+            <p:ph idx="3" sz="quarter" type="ftr"/>
+          </p:nvPr>
+        </p:nvSpPr>
+        <p:spPr>
+          <a:xfrm>
+            <a:off x="0" y="6446837"/>
+            <a:ext cx="10032642" cy="365125"/>
+          </a:xfrm>
+          <a:prstGeom prst="rect">
+            <a:avLst/>
+          </a:prstGeom>
+        </p:spPr>
+        <p:txBody>
+          <a:bodyPr anchor="ctr" bIns="45720" lIns="91440" rIns="91440" rtlCol="0" tIns="45720" vert="horz"/>
+          <a:lstStyle>
+            <a:lvl1pPr algn="l">
+              <a:defRPr baseline="0" cap="none" sz="1400">
+                <a:solidFill>
+                  <a:srgbClr val="FFFFFF"/>
+                </a:solidFill>
+                <a:latin typeface="+mn-lt"/>
+              </a:defRPr>
+            </a:lvl1pPr>
+          </a:lstStyle>
+          <a:p>
+            <a:r>
+              <a:rPr b="1" dirty="0" lang="en-AU"/>
+              <a:t>Faculty of Business and Law </a:t>
+            </a:r>
+            <a:r>
+              <a:rPr dirty="0" lang="en-AU"/>
+              <a:t>| School of Marketing and Management</a:t>
+            </a:r>
+          </a:p>
+        </p:txBody>
+      </p:sp>
+    </p:spTree>
+  </p:cSld>
+</p:sld>
+</file>
+
+<file path=ppt/slides/slide13.xml><?xml version="1.0" encoding="utf-8"?>
+<p:sld xmlns:a="http://schemas.openxmlformats.org/drawingml/2006/main" xmlns:r="http://schemas.openxmlformats.org/officeDocument/2006/relationships" xmlns:p="http://schemas.openxmlformats.org/presentationml/2006/main">
+  <p:cSld>
+    <p:spTree>
+      <p:nvGrpSpPr>
+        <p:cNvPr id="1" name=""/>
+        <p:cNvGrpSpPr/>
+        <p:nvPr/>
+      </p:nvGrpSpPr>
+      <p:grpSpPr>
+        <a:xfrm>
+          <a:off x="0" y="0"/>
+          <a:ext cx="0" cy="0"/>
+          <a:chOff x="0" y="0"/>
+          <a:chExt cx="0" cy="0"/>
+        </a:xfrm>
+      </p:grpSpPr>
+      <p:sp>
+        <p:nvSpPr>
+          <p:cNvPr id="2" name="Title 1"/>
+          <p:cNvSpPr>
+            <a:spLocks noGrp="1"/>
+          </p:cNvSpPr>
+          <p:nvPr>
+            <p:ph type="title"/>
+          </p:nvPr>
+        </p:nvSpPr>
+        <p:spPr/>
+        <p:txBody>
+          <a:bodyPr/>
+          <a:lstStyle/>
+          <a:p>
+            <a:pPr lvl="0" indent="0" marL="0">
+              <a:buNone/>
+            </a:pPr>
+            <a:r>
+              <a:rPr/>
+              <a:t>Example</a:t>
+            </a:r>
+          </a:p>
+        </p:txBody>
+      </p:sp>
+      <p:sp>
+        <p:nvSpPr>
+          <p:cNvPr id="3" name="Content Placeholder 2"/>
+          <p:cNvSpPr>
+            <a:spLocks noGrp="1"/>
+          </p:cNvSpPr>
+          <p:nvPr>
+            <p:ph idx="1"/>
+          </p:nvPr>
+        </p:nvSpPr>
+        <p:spPr/>
+        <p:txBody>
+          <a:bodyPr/>
+          <a:lstStyle/>
+          <a:p>
+            <a:pPr lvl="0" indent="0">
+              <a:buNone/>
+            </a:pPr>
+            <a:r>
+              <a:rPr>
+                <a:solidFill>
+                  <a:srgbClr val="00769E"/>
+                </a:solidFill>
+                <a:latin typeface="Courier"/>
+              </a:rPr>
+              <a:t>import</a:t>
+            </a:r>
+            <a:r>
+              <a:rPr>
+                <a:solidFill>
+                  <a:srgbClr val="003B4F"/>
+                </a:solidFill>
+                <a:latin typeface="Courier"/>
+              </a:rPr>
+              <a:t> pandas </a:t>
+            </a:r>
+            <a:r>
+              <a:rPr>
+                <a:solidFill>
+                  <a:srgbClr val="00769E"/>
+                </a:solidFill>
+                <a:latin typeface="Courier"/>
+              </a:rPr>
+              <a:t>as</a:t>
+            </a:r>
+            <a:r>
+              <a:rPr>
+                <a:solidFill>
+                  <a:srgbClr val="003B4F"/>
+                </a:solidFill>
+                <a:latin typeface="Courier"/>
+              </a:rPr>
+              <a:t> pd</a:t>
+            </a:r>
+            <a:br/>
+            <a:br/>
+            <a:r>
+              <a:rPr>
+                <a:solidFill>
+                  <a:srgbClr val="003B4F"/>
+                </a:solidFill>
+                <a:latin typeface="Courier"/>
+              </a:rPr>
+              <a:t>def save_to_csv(data, filename):</a:t>
+            </a:r>
+            <a:br/>
+            <a:r>
+              <a:rPr>
+                <a:solidFill>
+                  <a:srgbClr val="003B4F"/>
+                </a:solidFill>
+                <a:latin typeface="Courier"/>
+              </a:rPr>
+              <a:t>    df </a:t>
+            </a:r>
+            <a:r>
+              <a:rPr>
+                <a:solidFill>
+                  <a:srgbClr val="5E5E5E"/>
+                </a:solidFill>
+                <a:latin typeface="Courier"/>
+              </a:rPr>
+              <a:t>=</a:t>
+            </a:r>
+            <a:r>
+              <a:rPr>
+                <a:solidFill>
+                  <a:srgbClr val="003B4F"/>
+                </a:solidFill>
+                <a:latin typeface="Courier"/>
+              </a:rPr>
+              <a:t> pd.DataFrame([data]). </a:t>
+            </a:r>
+            <a:r>
+              <a:rPr>
+                <a:solidFill>
+                  <a:srgbClr val="5E5E5E"/>
+                </a:solidFill>
+                <a:latin typeface="Courier"/>
+              </a:rPr>
+              <a:t># convert dict to df</a:t>
+            </a:r>
+            <a:br/>
+            <a:r>
+              <a:rPr>
+                <a:solidFill>
+                  <a:srgbClr val="003B4F"/>
+                </a:solidFill>
+                <a:latin typeface="Courier"/>
+              </a:rPr>
+              <a:t>    df.to_csv(filename, index</a:t>
+            </a:r>
+            <a:r>
+              <a:rPr>
+                <a:solidFill>
+                  <a:srgbClr val="5E5E5E"/>
+                </a:solidFill>
+                <a:latin typeface="Courier"/>
+              </a:rPr>
+              <a:t>=</a:t>
+            </a:r>
+            <a:r>
+              <a:rPr>
+                <a:solidFill>
+                  <a:srgbClr val="111111"/>
+                </a:solidFill>
+                <a:latin typeface="Courier"/>
+              </a:rPr>
+              <a:t>False</a:t>
+            </a:r>
+            <a:r>
+              <a:rPr>
+                <a:solidFill>
+                  <a:srgbClr val="003B4F"/>
+                </a:solidFill>
+                <a:latin typeface="Courier"/>
+              </a:rPr>
+              <a:t>)</a:t>
+            </a:r>
+            <a:br/>
+            <a:br/>
+            <a:r>
+              <a:rPr>
+                <a:solidFill>
+                  <a:srgbClr val="003B4F"/>
+                </a:solidFill>
+                <a:latin typeface="Courier"/>
+              </a:rPr>
+              <a:t>save_to_csv(parsed_data, </a:t>
+            </a:r>
+            <a:r>
+              <a:rPr>
+                <a:solidFill>
+                  <a:srgbClr val="20794D"/>
+                </a:solidFill>
+                <a:latin typeface="Courier"/>
+              </a:rPr>
+              <a:t>'data/raw/weather_data.csv'</a:t>
+            </a:r>
+            <a:r>
+              <a:rPr>
+                <a:solidFill>
+                  <a:srgbClr val="003B4F"/>
+                </a:solidFill>
+                <a:latin typeface="Courier"/>
+              </a:rPr>
+              <a:t>)</a:t>
+            </a:r>
+          </a:p>
+          <a:p>
+            <a:pPr lvl="0" indent="0">
+              <a:buNone/>
+            </a:pPr>
+            <a:r>
+              <a:rPr>
+                <a:solidFill>
+                  <a:srgbClr val="003B4F"/>
+                </a:solidFill>
+                <a:latin typeface="Courier"/>
+              </a:rPr>
+              <a:t>df </a:t>
+            </a:r>
+            <a:r>
+              <a:rPr>
+                <a:solidFill>
+                  <a:srgbClr val="5E5E5E"/>
+                </a:solidFill>
+                <a:latin typeface="Courier"/>
+              </a:rPr>
+              <a:t>=</a:t>
+            </a:r>
+            <a:r>
+              <a:rPr>
+                <a:solidFill>
+                  <a:srgbClr val="003B4F"/>
+                </a:solidFill>
+                <a:latin typeface="Courier"/>
+              </a:rPr>
+              <a:t> pd.read_csv(</a:t>
+            </a:r>
+            <a:r>
+              <a:rPr>
+                <a:solidFill>
+                  <a:srgbClr val="20794D"/>
+                </a:solidFill>
+                <a:latin typeface="Courier"/>
+              </a:rPr>
+              <a:t>'data/raw/weather_data.csv'</a:t>
+            </a:r>
+            <a:r>
+              <a:rPr>
+                <a:solidFill>
+                  <a:srgbClr val="003B4F"/>
+                </a:solidFill>
+                <a:latin typeface="Courier"/>
+              </a:rPr>
+              <a:t>)</a:t>
+            </a:r>
+            <a:br/>
+            <a:r>
+              <a:rPr>
+                <a:solidFill>
+                  <a:srgbClr val="003B4F"/>
+                </a:solidFill>
+                <a:latin typeface="Courier"/>
+              </a:rPr>
+              <a:t>df</a:t>
+            </a:r>
+          </a:p>
+        </p:txBody>
+      </p:sp>
+      <p:sp>
+        <p:nvSpPr>
+          <p:cNvPr id="11" name="Footer Placeholder 4"/>
+          <p:cNvSpPr>
+            <a:spLocks noGrp="1"/>
+          </p:cNvSpPr>
+          <p:nvPr>
+            <p:ph idx="3" sz="quarter" type="ftr"/>
+          </p:nvPr>
+        </p:nvSpPr>
+        <p:spPr>
+          <a:xfrm>
+            <a:off x="0" y="6446837"/>
+            <a:ext cx="10032642" cy="365125"/>
+          </a:xfrm>
+          <a:prstGeom prst="rect">
+            <a:avLst/>
+          </a:prstGeom>
+        </p:spPr>
+        <p:txBody>
+          <a:bodyPr anchor="ctr" bIns="45720" lIns="91440" rIns="91440" rtlCol="0" tIns="45720" vert="horz"/>
+          <a:lstStyle>
+            <a:lvl1pPr algn="l">
+              <a:defRPr baseline="0" cap="none" sz="1400">
+                <a:solidFill>
+                  <a:srgbClr val="FFFFFF"/>
+                </a:solidFill>
+                <a:latin typeface="+mn-lt"/>
+              </a:defRPr>
+            </a:lvl1pPr>
+          </a:lstStyle>
+          <a:p>
+            <a:r>
+              <a:rPr b="1" dirty="0" lang="en-AU"/>
+              <a:t>Faculty of Business and Law </a:t>
+            </a:r>
+            <a:r>
+              <a:rPr dirty="0" lang="en-AU"/>
+              <a:t>| School of Marketing and Management</a:t>
+            </a:r>
+          </a:p>
+        </p:txBody>
+      </p:sp>
+    </p:spTree>
+  </p:cSld>
+</p:sld>
+</file>
+
+<file path=ppt/slides/slide14.xml><?xml version="1.0" encoding="utf-8"?>
+<p:sld xmlns:a="http://schemas.openxmlformats.org/drawingml/2006/main" xmlns:r="http://schemas.openxmlformats.org/officeDocument/2006/relationships" xmlns:p="http://schemas.openxmlformats.org/presentationml/2006/main">
+  <p:cSld>
+    <p:spTree>
+      <p:nvGrpSpPr>
+        <p:cNvPr id="1" name=""/>
+        <p:cNvGrpSpPr/>
+        <p:nvPr/>
+      </p:nvGrpSpPr>
+      <p:grpSpPr>
+        <a:xfrm>
+          <a:off x="0" y="0"/>
+          <a:ext cx="0" cy="0"/>
+          <a:chOff x="0" y="0"/>
+          <a:chExt cx="0" cy="0"/>
+        </a:xfrm>
+      </p:grpSpPr>
+      <p:sp>
+        <p:nvSpPr>
+          <p:cNvPr id="2" name="Title 1"/>
+          <p:cNvSpPr>
+            <a:spLocks noGrp="1"/>
+          </p:cNvSpPr>
+          <p:nvPr>
+            <p:ph type="title"/>
+          </p:nvPr>
+        </p:nvSpPr>
+        <p:spPr/>
+        <p:txBody>
+          <a:bodyPr/>
+          <a:lstStyle/>
+          <a:p>
+            <a:pPr lvl="0" indent="0" marL="0">
+              <a:buNone/>
+            </a:pPr>
+            <a:r>
+              <a:rPr/>
+              <a:t>Error Handling</a:t>
+            </a:r>
+          </a:p>
+        </p:txBody>
+      </p:sp>
+      <p:sp>
+        <p:nvSpPr>
+          <p:cNvPr id="3" name="Content Placeholder 2"/>
+          <p:cNvSpPr>
+            <a:spLocks noGrp="1"/>
+          </p:cNvSpPr>
+          <p:nvPr>
+            <p:ph idx="1"/>
+          </p:nvPr>
+        </p:nvSpPr>
+        <p:spPr/>
+        <p:txBody>
+          <a:bodyPr/>
+          <a:lstStyle/>
+          <a:p>
+            <a:pPr lvl="0"/>
+            <a:r>
+              <a:rPr/>
+              <a:t>Introduce the concept of error handling in Python and its importance.</a:t>
+            </a:r>
+          </a:p>
+          <a:p>
+            <a:pPr lvl="0"/>
+            <a:r>
+              <a:rPr/>
+              <a:t>Demonstrate how to use try-except blocks to handle errors in Python.</a:t>
+            </a:r>
+          </a:p>
+          <a:p>
+            <a:pPr lvl="0"/>
+            <a:r>
+              <a:rPr/>
+              <a:t>Highlight the importance of error handling in the weather dashboard project.</a:t>
+            </a:r>
+          </a:p>
+        </p:txBody>
+      </p:sp>
+      <p:sp>
+        <p:nvSpPr>
+          <p:cNvPr id="11" name="Footer Placeholder 4"/>
+          <p:cNvSpPr>
+            <a:spLocks noGrp="1"/>
+          </p:cNvSpPr>
+          <p:nvPr>
+            <p:ph idx="3" sz="quarter" type="ftr"/>
+          </p:nvPr>
+        </p:nvSpPr>
+        <p:spPr>
+          <a:xfrm>
+            <a:off x="0" y="6446837"/>
+            <a:ext cx="10032642" cy="365125"/>
+          </a:xfrm>
+          <a:prstGeom prst="rect">
+            <a:avLst/>
+          </a:prstGeom>
+        </p:spPr>
+        <p:txBody>
+          <a:bodyPr anchor="ctr" bIns="45720" lIns="91440" rIns="91440" rtlCol="0" tIns="45720" vert="horz"/>
+          <a:lstStyle>
+            <a:lvl1pPr algn="l">
+              <a:defRPr baseline="0" cap="none" sz="1400">
+                <a:solidFill>
+                  <a:srgbClr val="FFFFFF"/>
+                </a:solidFill>
+                <a:latin typeface="+mn-lt"/>
+              </a:defRPr>
+            </a:lvl1pPr>
+          </a:lstStyle>
+          <a:p>
+            <a:r>
+              <a:rPr b="1" dirty="0" lang="en-AU"/>
+              <a:t>Faculty of Business and Law </a:t>
+            </a:r>
+            <a:r>
+              <a:rPr dirty="0" lang="en-AU"/>
+              <a:t>| School of Marketing and Management</a:t>
+            </a:r>
+          </a:p>
+        </p:txBody>
+      </p:sp>
+    </p:spTree>
+  </p:cSld>
+</p:sld>
+</file>
+
+<file path=ppt/slides/slide15.xml><?xml version="1.0" encoding="utf-8"?>
+<p:sld xmlns:a="http://schemas.openxmlformats.org/drawingml/2006/main" xmlns:r="http://schemas.openxmlformats.org/officeDocument/2006/relationships" xmlns:p="http://schemas.openxmlformats.org/presentationml/2006/main">
+  <p:cSld>
+    <p:spTree>
+      <p:nvGrpSpPr>
+        <p:cNvPr id="1" name=""/>
+        <p:cNvGrpSpPr/>
+        <p:nvPr/>
+      </p:nvGrpSpPr>
+      <p:grpSpPr>
+        <a:xfrm>
+          <a:off x="0" y="0"/>
+          <a:ext cx="0" cy="0"/>
+          <a:chOff x="0" y="0"/>
+          <a:chExt cx="0" cy="0"/>
+        </a:xfrm>
+      </p:grpSpPr>
+      <p:sp>
+        <p:nvSpPr>
+          <p:cNvPr id="2" name="Title 1"/>
+          <p:cNvSpPr>
+            <a:spLocks noGrp="1"/>
+          </p:cNvSpPr>
+          <p:nvPr>
+            <p:ph type="title"/>
+          </p:nvPr>
+        </p:nvSpPr>
+        <p:spPr/>
+        <p:txBody>
+          <a:bodyPr/>
+          <a:lstStyle/>
+          <a:p>
+            <a:pPr lvl="0" indent="0" marL="0">
+              <a:buNone/>
+            </a:pPr>
+            <a:r>
+              <a:rPr/>
+              <a:t>Error Handling - Example</a:t>
+            </a:r>
+          </a:p>
+        </p:txBody>
+      </p:sp>
+      <p:sp>
+        <p:nvSpPr>
+          <p:cNvPr id="3" name="Content Placeholder 2"/>
+          <p:cNvSpPr>
+            <a:spLocks noGrp="1"/>
+          </p:cNvSpPr>
+          <p:nvPr>
+            <p:ph idx="1"/>
+          </p:nvPr>
+        </p:nvSpPr>
+        <p:spPr/>
+        <p:txBody>
+          <a:bodyPr/>
+          <a:lstStyle/>
+          <a:p>
+            <a:pPr lvl="0" indent="0">
+              <a:buNone/>
+            </a:pPr>
+            <a:r>
+              <a:rPr>
+                <a:solidFill>
+                  <a:srgbClr val="003B4F"/>
+                </a:solidFill>
+                <a:latin typeface="Courier"/>
+              </a:rPr>
+              <a:t>invalid_location </a:t>
+            </a:r>
+            <a:r>
+              <a:rPr>
+                <a:solidFill>
+                  <a:srgbClr val="5E5E5E"/>
+                </a:solidFill>
+                <a:latin typeface="Courier"/>
+              </a:rPr>
+              <a:t>=</a:t>
+            </a:r>
+            <a:r>
+              <a:rPr>
+                <a:solidFill>
+                  <a:srgbClr val="003B4F"/>
+                </a:solidFill>
+                <a:latin typeface="Courier"/>
+              </a:rPr>
+              <a:t> </a:t>
+            </a:r>
+            <a:r>
+              <a:rPr>
+                <a:solidFill>
+                  <a:srgbClr val="20794D"/>
+                </a:solidFill>
+                <a:latin typeface="Courier"/>
+              </a:rPr>
+              <a:t>'InvalidCity'</a:t>
+            </a:r>
+            <a:br/>
+            <a:r>
+              <a:rPr>
+                <a:solidFill>
+                  <a:srgbClr val="003B4F"/>
+                </a:solidFill>
+                <a:latin typeface="Courier"/>
+              </a:rPr>
+              <a:t>invalid_data </a:t>
+            </a:r>
+            <a:r>
+              <a:rPr>
+                <a:solidFill>
+                  <a:srgbClr val="5E5E5E"/>
+                </a:solidFill>
+                <a:latin typeface="Courier"/>
+              </a:rPr>
+              <a:t>=</a:t>
+            </a:r>
+            <a:r>
+              <a:rPr>
+                <a:solidFill>
+                  <a:srgbClr val="003B4F"/>
+                </a:solidFill>
+                <a:latin typeface="Courier"/>
+              </a:rPr>
+              <a:t> fetch_weather_data(api_key, invalid_location)</a:t>
+            </a:r>
+            <a:br/>
+            <a:r>
+              <a:rPr>
+                <a:solidFill>
+                  <a:srgbClr val="003B4F"/>
+                </a:solidFill>
+                <a:latin typeface="Courier"/>
+              </a:rPr>
+              <a:t>invalid_data</a:t>
+            </a:r>
+          </a:p>
+        </p:txBody>
+      </p:sp>
+      <p:sp>
+        <p:nvSpPr>
+          <p:cNvPr id="11" name="Footer Placeholder 4"/>
+          <p:cNvSpPr>
+            <a:spLocks noGrp="1"/>
+          </p:cNvSpPr>
+          <p:nvPr>
+            <p:ph idx="3" sz="quarter" type="ftr"/>
+          </p:nvPr>
+        </p:nvSpPr>
+        <p:spPr>
+          <a:xfrm>
+            <a:off x="0" y="6446837"/>
+            <a:ext cx="10032642" cy="365125"/>
+          </a:xfrm>
+          <a:prstGeom prst="rect">
+            <a:avLst/>
+          </a:prstGeom>
+        </p:spPr>
+        <p:txBody>
+          <a:bodyPr anchor="ctr" bIns="45720" lIns="91440" rIns="91440" rtlCol="0" tIns="45720" vert="horz"/>
+          <a:lstStyle>
+            <a:lvl1pPr algn="l">
+              <a:defRPr baseline="0" cap="none" sz="1400">
+                <a:solidFill>
+                  <a:srgbClr val="FFFFFF"/>
+                </a:solidFill>
+                <a:latin typeface="+mn-lt"/>
+              </a:defRPr>
+            </a:lvl1pPr>
+          </a:lstStyle>
+          <a:p>
+            <a:r>
+              <a:rPr b="1" dirty="0" lang="en-AU"/>
+              <a:t>Faculty of Business and Law </a:t>
+            </a:r>
+            <a:r>
+              <a:rPr dirty="0" lang="en-AU"/>
+              <a:t>| School of Marketing and Management</a:t>
+            </a:r>
+          </a:p>
+        </p:txBody>
+      </p:sp>
+    </p:spTree>
+  </p:cSld>
+</p:sld>
+</file>
+
+<file path=ppt/slides/slide16.xml><?xml version="1.0" encoding="utf-8"?>
+<p:sld xmlns:a="http://schemas.openxmlformats.org/drawingml/2006/main" xmlns:r="http://schemas.openxmlformats.org/officeDocument/2006/relationships" xmlns:p="http://schemas.openxmlformats.org/presentationml/2006/main">
+  <p:cSld>
+    <p:spTree>
+      <p:nvGrpSpPr>
+        <p:cNvPr id="1" name=""/>
+        <p:cNvGrpSpPr/>
+        <p:nvPr/>
+      </p:nvGrpSpPr>
+      <p:grpSpPr>
+        <a:xfrm>
+          <a:off x="0" y="0"/>
+          <a:ext cx="0" cy="0"/>
+          <a:chOff x="0" y="0"/>
+          <a:chExt cx="0" cy="0"/>
+        </a:xfrm>
+      </p:grpSpPr>
+      <p:sp>
+        <p:nvSpPr>
+          <p:cNvPr id="2" name="Title 1"/>
+          <p:cNvSpPr>
+            <a:spLocks noGrp="1"/>
+          </p:cNvSpPr>
+          <p:nvPr>
+            <p:ph type="title"/>
+          </p:nvPr>
+        </p:nvSpPr>
+        <p:spPr/>
+        <p:txBody>
+          <a:bodyPr/>
+          <a:lstStyle/>
+          <a:p>
+            <a:pPr lvl="0" indent="0" marL="0">
+              <a:buNone/>
+            </a:pPr>
+            <a:r>
+              <a:rPr/>
+              <a:t>Breakout Room Activity</a:t>
+            </a:r>
+          </a:p>
+        </p:txBody>
+      </p:sp>
+      <p:sp>
+        <p:nvSpPr>
+          <p:cNvPr id="3" name="Content Placeholder 2"/>
+          <p:cNvSpPr>
+            <a:spLocks noGrp="1"/>
+          </p:cNvSpPr>
+          <p:nvPr>
+            <p:ph idx="1"/>
+          </p:nvPr>
+        </p:nvSpPr>
+        <p:spPr/>
+        <p:txBody>
+          <a:bodyPr/>
+          <a:lstStyle/>
+          <a:p>
+            <a:pPr lvl="0"/>
+            <a:r>
+              <a:rPr/>
+              <a:t>Emphasise the importance of teamwork and collaboration in the project.</a:t>
+            </a:r>
+          </a:p>
+          <a:p>
+            <a:pPr lvl="0"/>
+            <a:r>
+              <a:rPr/>
+              <a:t>Encourage students to work together to fetch and parse data for different cities.</a:t>
+            </a:r>
+          </a:p>
+          <a:p>
+            <a:pPr lvl="0"/>
+            <a:r>
+              <a:rPr/>
+              <a:t>Encourage students to share their findings and discuss challenges.</a:t>
+            </a:r>
+          </a:p>
+        </p:txBody>
+      </p:sp>
+      <p:sp>
+        <p:nvSpPr>
+          <p:cNvPr id="11" name="Footer Placeholder 4"/>
+          <p:cNvSpPr>
+            <a:spLocks noGrp="1"/>
+          </p:cNvSpPr>
+          <p:nvPr>
+            <p:ph idx="3" sz="quarter" type="ftr"/>
+          </p:nvPr>
+        </p:nvSpPr>
+        <p:spPr>
+          <a:xfrm>
+            <a:off x="0" y="6446837"/>
+            <a:ext cx="10032642" cy="365125"/>
+          </a:xfrm>
+          <a:prstGeom prst="rect">
+            <a:avLst/>
+          </a:prstGeom>
+        </p:spPr>
+        <p:txBody>
+          <a:bodyPr anchor="ctr" bIns="45720" lIns="91440" rIns="91440" rtlCol="0" tIns="45720" vert="horz"/>
+          <a:lstStyle>
+            <a:lvl1pPr algn="l">
+              <a:defRPr baseline="0" cap="none" sz="1400">
+                <a:solidFill>
+                  <a:srgbClr val="FFFFFF"/>
+                </a:solidFill>
+                <a:latin typeface="+mn-lt"/>
+              </a:defRPr>
+            </a:lvl1pPr>
+          </a:lstStyle>
+          <a:p>
+            <a:r>
+              <a:rPr b="1" dirty="0" lang="en-AU"/>
+              <a:t>Faculty of Business and Law </a:t>
+            </a:r>
+            <a:r>
+              <a:rPr dirty="0" lang="en-AU"/>
+              <a:t>| School of Marketing and Management</a:t>
+            </a:r>
+          </a:p>
+        </p:txBody>
+      </p:sp>
+    </p:spTree>
+  </p:cSld>
+</p:sld>
+</file>
+
+<file path=ppt/slides/slide17.xml><?xml version="1.0" encoding="utf-8"?>
+<p:sld xmlns:a="http://schemas.openxmlformats.org/drawingml/2006/main" xmlns:r="http://schemas.openxmlformats.org/officeDocument/2006/relationships" xmlns:p="http://schemas.openxmlformats.org/presentationml/2006/main">
+  <p:cSld>
+    <p:spTree>
+      <p:nvGrpSpPr>
+        <p:cNvPr id="1" name=""/>
+        <p:cNvGrpSpPr/>
+        <p:nvPr/>
+      </p:nvGrpSpPr>
+      <p:grpSpPr>
+        <a:xfrm>
+          <a:off x="0" y="0"/>
+          <a:ext cx="0" cy="0"/>
+          <a:chOff x="0" y="0"/>
+          <a:chExt cx="0" cy="0"/>
+        </a:xfrm>
+      </p:grpSpPr>
+      <p:sp>
+        <p:nvSpPr>
+          <p:cNvPr id="2" name="Title 1"/>
+          <p:cNvSpPr>
+            <a:spLocks noGrp="1"/>
+          </p:cNvSpPr>
+          <p:nvPr>
+            <p:ph type="title"/>
+          </p:nvPr>
+        </p:nvSpPr>
+        <p:spPr/>
+        <p:txBody>
+          <a:bodyPr/>
+          <a:lstStyle/>
+          <a:p>
+            <a:pPr lvl="0" indent="0" marL="0">
+              <a:buNone/>
+            </a:pPr>
+            <a:r>
+              <a:rPr/>
+              <a:t>Q&amp;A and Wrap-Up</a:t>
+            </a:r>
+          </a:p>
+        </p:txBody>
+      </p:sp>
+      <p:sp>
+        <p:nvSpPr>
+          <p:cNvPr id="3" name="Content Placeholder 2"/>
+          <p:cNvSpPr>
+            <a:spLocks noGrp="1"/>
+          </p:cNvSpPr>
+          <p:nvPr>
+            <p:ph idx="1"/>
+          </p:nvPr>
+        </p:nvSpPr>
+        <p:spPr/>
+        <p:txBody>
+          <a:bodyPr/>
+          <a:lstStyle/>
+          <a:p>
+            <a:pPr lvl="0"/>
+            <a:r>
+              <a:rPr/>
+              <a:t>In this session, we learned how to fetch weather data from the OpenWeatherMap API, parse the JSON response, and save the data to a CSV file. We also covered basic error handling to manage failed API requests.</a:t>
+            </a:r>
+          </a:p>
+          <a:p>
+            <a:pPr lvl="0"/>
+            <a:r>
+              <a:rPr/>
+              <a:t>Any questions”</a:t>
+            </a:r>
+          </a:p>
+          <a:p>
+            <a:pPr lvl="0"/>
+            <a:r>
+              <a:rPr/>
+              <a:t>The importance of practising and experimenting with the concepts learned in the session.</a:t>
+            </a:r>
+          </a:p>
+          <a:p>
+            <a:pPr lvl="0"/>
+            <a:r>
+              <a:rPr/>
+              <a:t>Next session, we will focus on managing data with CSV and SQL.</a:t>
+            </a:r>
+          </a:p>
+        </p:txBody>
+      </p:sp>
+      <p:sp>
+        <p:nvSpPr>
+          <p:cNvPr id="11" name="Footer Placeholder 4"/>
+          <p:cNvSpPr>
+            <a:spLocks noGrp="1"/>
+          </p:cNvSpPr>
+          <p:nvPr>
+            <p:ph idx="3" sz="quarter" type="ftr"/>
+          </p:nvPr>
+        </p:nvSpPr>
+        <p:spPr>
+          <a:xfrm>
+            <a:off x="0" y="6446837"/>
+            <a:ext cx="10032642" cy="365125"/>
+          </a:xfrm>
+          <a:prstGeom prst="rect">
+            <a:avLst/>
+          </a:prstGeom>
+        </p:spPr>
+        <p:txBody>
+          <a:bodyPr anchor="ctr" bIns="45720" lIns="91440" rIns="91440" rtlCol="0" tIns="45720" vert="horz"/>
+          <a:lstStyle>
+            <a:lvl1pPr algn="l">
+              <a:defRPr baseline="0" cap="none" sz="1400">
+                <a:solidFill>
+                  <a:srgbClr val="FFFFFF"/>
+                </a:solidFill>
+                <a:latin typeface="+mn-lt"/>
+              </a:defRPr>
+            </a:lvl1pPr>
+          </a:lstStyle>
+          <a:p>
+            <a:r>
+              <a:rPr b="1" dirty="0" lang="en-AU"/>
+              <a:t>Faculty of Business and Law </a:t>
+            </a:r>
+            <a:r>
+              <a:rPr dirty="0" lang="en-AU"/>
+              <a:t>| School of Marketing and Management</a:t>
+            </a:r>
+          </a:p>
+        </p:txBody>
+      </p:sp>
+    </p:spTree>
+  </p:cSld>
+</p:sld>
+</file>
+
+<file path=ppt/slides/slide18.xml><?xml version="1.0" encoding="utf-8"?>
 <p:sld xmlns:a="http://schemas.openxmlformats.org/drawingml/2006/main" xmlns:r="http://schemas.openxmlformats.org/officeDocument/2006/relationships" xmlns:p="http://schemas.openxmlformats.org/presentationml/2006/main">
   <p:cSld>
     <p:spTree>
@@ -6192,488 +7600,6 @@
               <a:t>Show how to handle errors and exceptions in Python.</a:t>
             </a:r>
           </a:p>
-          <a:p>
-            <a:pPr lvl="0" indent="0">
-              <a:buNone/>
-            </a:pPr>
-            <a:r>
-              <a:rPr>
-                <a:solidFill>
-                  <a:srgbClr val="00769E"/>
-                </a:solidFill>
-                <a:latin typeface="Courier"/>
-              </a:rPr>
-              <a:t>import</a:t>
-            </a:r>
-            <a:r>
-              <a:rPr>
-                <a:solidFill>
-                  <a:srgbClr val="003B4F"/>
-                </a:solidFill>
-                <a:latin typeface="Courier"/>
-              </a:rPr>
-              <a:t> requests</a:t>
-            </a:r>
-            <a:br/>
-            <a:br/>
-            <a:r>
-              <a:rPr>
-                <a:solidFill>
-                  <a:srgbClr val="003B4F"/>
-                </a:solidFill>
-                <a:latin typeface="Courier"/>
-              </a:rPr>
-              <a:t>def fetch_weather_data(api_key, location):</a:t>
-            </a:r>
-            <a:br/>
-            <a:r>
-              <a:rPr>
-                <a:solidFill>
-                  <a:srgbClr val="003B4F"/>
-                </a:solidFill>
-                <a:latin typeface="Courier"/>
-              </a:rPr>
-              <a:t>    url </a:t>
-            </a:r>
-            <a:r>
-              <a:rPr>
-                <a:solidFill>
-                  <a:srgbClr val="5E5E5E"/>
-                </a:solidFill>
-                <a:latin typeface="Courier"/>
-              </a:rPr>
-              <a:t>=</a:t>
-            </a:r>
-            <a:r>
-              <a:rPr>
-                <a:solidFill>
-                  <a:srgbClr val="003B4F"/>
-                </a:solidFill>
-                <a:latin typeface="Courier"/>
-              </a:rPr>
-              <a:t> </a:t>
-            </a:r>
-            <a:r>
-              <a:rPr>
-                <a:solidFill>
-                  <a:srgbClr val="20794D"/>
-                </a:solidFill>
-                <a:latin typeface="Courier"/>
-              </a:rPr>
-              <a:t>f"http://api.openweathermap.org/data/2.5/weather?q=</a:t>
-            </a:r>
-            <a:r>
-              <a:rPr>
-                <a:solidFill>
-                  <a:srgbClr val="5E5E5E"/>
-                </a:solidFill>
-                <a:latin typeface="Courier"/>
-              </a:rPr>
-              <a:t>{</a:t>
-            </a:r>
-            <a:r>
-              <a:rPr>
-                <a:solidFill>
-                  <a:srgbClr val="003B4F"/>
-                </a:solidFill>
-                <a:latin typeface="Courier"/>
-              </a:rPr>
-              <a:t>location</a:t>
-            </a:r>
-            <a:r>
-              <a:rPr>
-                <a:solidFill>
-                  <a:srgbClr val="5E5E5E"/>
-                </a:solidFill>
-                <a:latin typeface="Courier"/>
-              </a:rPr>
-              <a:t>}</a:t>
-            </a:r>
-            <a:r>
-              <a:rPr>
-                <a:solidFill>
-                  <a:srgbClr val="20794D"/>
-                </a:solidFill>
-                <a:latin typeface="Courier"/>
-              </a:rPr>
-              <a:t>&amp;appid=</a:t>
-            </a:r>
-            <a:r>
-              <a:rPr>
-                <a:solidFill>
-                  <a:srgbClr val="5E5E5E"/>
-                </a:solidFill>
-                <a:latin typeface="Courier"/>
-              </a:rPr>
-              <a:t>{</a:t>
-            </a:r>
-            <a:r>
-              <a:rPr>
-                <a:solidFill>
-                  <a:srgbClr val="003B4F"/>
-                </a:solidFill>
-                <a:latin typeface="Courier"/>
-              </a:rPr>
-              <a:t>api_key</a:t>
-            </a:r>
-            <a:r>
-              <a:rPr>
-                <a:solidFill>
-                  <a:srgbClr val="5E5E5E"/>
-                </a:solidFill>
-                <a:latin typeface="Courier"/>
-              </a:rPr>
-              <a:t>}</a:t>
-            </a:r>
-            <a:r>
-              <a:rPr>
-                <a:solidFill>
-                  <a:srgbClr val="20794D"/>
-                </a:solidFill>
-                <a:latin typeface="Courier"/>
-              </a:rPr>
-              <a:t>"</a:t>
-            </a:r>
-            <a:br/>
-            <a:r>
-              <a:rPr>
-                <a:solidFill>
-                  <a:srgbClr val="003B4F"/>
-                </a:solidFill>
-                <a:latin typeface="Courier"/>
-              </a:rPr>
-              <a:t>    response </a:t>
-            </a:r>
-            <a:r>
-              <a:rPr>
-                <a:solidFill>
-                  <a:srgbClr val="5E5E5E"/>
-                </a:solidFill>
-                <a:latin typeface="Courier"/>
-              </a:rPr>
-              <a:t>=</a:t>
-            </a:r>
-            <a:r>
-              <a:rPr>
-                <a:solidFill>
-                  <a:srgbClr val="003B4F"/>
-                </a:solidFill>
-                <a:latin typeface="Courier"/>
-              </a:rPr>
-              <a:t> requests.get(url)</a:t>
-            </a:r>
-            <a:br/>
-            <a:r>
-              <a:rPr>
-                <a:solidFill>
-                  <a:srgbClr val="003B4F"/>
-                </a:solidFill>
-                <a:latin typeface="Courier"/>
-              </a:rPr>
-              <a:t>    if response.status_code </a:t>
-            </a:r>
-            <a:r>
-              <a:rPr>
-                <a:solidFill>
-                  <a:srgbClr val="5E5E5E"/>
-                </a:solidFill>
-                <a:latin typeface="Courier"/>
-              </a:rPr>
-              <a:t>==</a:t>
-            </a:r>
-            <a:r>
-              <a:rPr>
-                <a:solidFill>
-                  <a:srgbClr val="003B4F"/>
-                </a:solidFill>
-                <a:latin typeface="Courier"/>
-              </a:rPr>
-              <a:t> </a:t>
-            </a:r>
-            <a:r>
-              <a:rPr>
-                <a:solidFill>
-                  <a:srgbClr val="AD0000"/>
-                </a:solidFill>
-                <a:latin typeface="Courier"/>
-              </a:rPr>
-              <a:t>200</a:t>
-            </a:r>
-            <a:r>
-              <a:rPr>
-                <a:solidFill>
-                  <a:srgbClr val="003B4F"/>
-                </a:solidFill>
-                <a:latin typeface="Courier"/>
-              </a:rPr>
-              <a:t>:</a:t>
-            </a:r>
-            <a:br/>
-            <a:r>
-              <a:rPr>
-                <a:solidFill>
-                  <a:srgbClr val="003B4F"/>
-                </a:solidFill>
-                <a:latin typeface="Courier"/>
-              </a:rPr>
-              <a:t>        data </a:t>
-            </a:r>
-            <a:r>
-              <a:rPr>
-                <a:solidFill>
-                  <a:srgbClr val="5E5E5E"/>
-                </a:solidFill>
-                <a:latin typeface="Courier"/>
-              </a:rPr>
-              <a:t>=</a:t>
-            </a:r>
-            <a:r>
-              <a:rPr>
-                <a:solidFill>
-                  <a:srgbClr val="003B4F"/>
-                </a:solidFill>
-                <a:latin typeface="Courier"/>
-              </a:rPr>
-              <a:t> response.json()</a:t>
-            </a:r>
-            <a:br/>
-            <a:r>
-              <a:rPr>
-                <a:solidFill>
-                  <a:srgbClr val="003B4F"/>
-                </a:solidFill>
-                <a:latin typeface="Courier"/>
-              </a:rPr>
-              <a:t>        return data</a:t>
-            </a:r>
-            <a:br/>
-            <a:r>
-              <a:rPr>
-                <a:solidFill>
-                  <a:srgbClr val="003B4F"/>
-                </a:solidFill>
-                <a:latin typeface="Courier"/>
-              </a:rPr>
-              <a:t>    else:</a:t>
-            </a:r>
-            <a:br/>
-            <a:r>
-              <a:rPr>
-                <a:solidFill>
-                  <a:srgbClr val="003B4F"/>
-                </a:solidFill>
-                <a:latin typeface="Courier"/>
-              </a:rPr>
-              <a:t>        print(</a:t>
-            </a:r>
-            <a:r>
-              <a:rPr>
-                <a:solidFill>
-                  <a:srgbClr val="20794D"/>
-                </a:solidFill>
-                <a:latin typeface="Courier"/>
-              </a:rPr>
-              <a:t>f"Failed to fetch data: </a:t>
-            </a:r>
-            <a:r>
-              <a:rPr>
-                <a:solidFill>
-                  <a:srgbClr val="5E5E5E"/>
-                </a:solidFill>
-                <a:latin typeface="Courier"/>
-              </a:rPr>
-              <a:t>{</a:t>
-            </a:r>
-            <a:r>
-              <a:rPr>
-                <a:solidFill>
-                  <a:srgbClr val="003B4F"/>
-                </a:solidFill>
-                <a:latin typeface="Courier"/>
-              </a:rPr>
-              <a:t>response</a:t>
-            </a:r>
-            <a:r>
-              <a:rPr>
-                <a:solidFill>
-                  <a:srgbClr val="5E5E5E"/>
-                </a:solidFill>
-                <a:latin typeface="Courier"/>
-              </a:rPr>
-              <a:t>.</a:t>
-            </a:r>
-            <a:r>
-              <a:rPr>
-                <a:solidFill>
-                  <a:srgbClr val="003B4F"/>
-                </a:solidFill>
-                <a:latin typeface="Courier"/>
-              </a:rPr>
-              <a:t>status_code</a:t>
-            </a:r>
-            <a:r>
-              <a:rPr>
-                <a:solidFill>
-                  <a:srgbClr val="5E5E5E"/>
-                </a:solidFill>
-                <a:latin typeface="Courier"/>
-              </a:rPr>
-              <a:t>}</a:t>
-            </a:r>
-            <a:r>
-              <a:rPr>
-                <a:solidFill>
-                  <a:srgbClr val="20794D"/>
-                </a:solidFill>
-                <a:latin typeface="Courier"/>
-              </a:rPr>
-              <a:t>"</a:t>
-            </a:r>
-            <a:r>
-              <a:rPr>
-                <a:solidFill>
-                  <a:srgbClr val="003B4F"/>
-                </a:solidFill>
-                <a:latin typeface="Courier"/>
-              </a:rPr>
-              <a:t>)</a:t>
-            </a:r>
-            <a:br/>
-            <a:r>
-              <a:rPr>
-                <a:solidFill>
-                  <a:srgbClr val="003B4F"/>
-                </a:solidFill>
-                <a:latin typeface="Courier"/>
-              </a:rPr>
-              <a:t>        return </a:t>
-            </a:r>
-            <a:r>
-              <a:rPr>
-                <a:solidFill>
-                  <a:srgbClr val="111111"/>
-                </a:solidFill>
-                <a:latin typeface="Courier"/>
-              </a:rPr>
-              <a:t>None</a:t>
-            </a:r>
-          </a:p>
-          <a:p>
-            <a:pPr lvl="0" indent="0">
-              <a:buNone/>
-            </a:pPr>
-            <a:r>
-              <a:rPr>
-                <a:solidFill>
-                  <a:srgbClr val="003B4F"/>
-                </a:solidFill>
-                <a:latin typeface="Courier"/>
-              </a:rPr>
-              <a:t>api_key </a:t>
-            </a:r>
-            <a:r>
-              <a:rPr>
-                <a:solidFill>
-                  <a:srgbClr val="5E5E5E"/>
-                </a:solidFill>
-                <a:latin typeface="Courier"/>
-              </a:rPr>
-              <a:t>=</a:t>
-            </a:r>
-            <a:r>
-              <a:rPr>
-                <a:solidFill>
-                  <a:srgbClr val="003B4F"/>
-                </a:solidFill>
-                <a:latin typeface="Courier"/>
-              </a:rPr>
-              <a:t> </a:t>
-            </a:r>
-            <a:r>
-              <a:rPr>
-                <a:solidFill>
-                  <a:srgbClr val="20794D"/>
-                </a:solidFill>
-                <a:latin typeface="Courier"/>
-              </a:rPr>
-              <a:t>'your_api_key_here'</a:t>
-            </a:r>
-            <a:br/>
-            <a:r>
-              <a:rPr>
-                <a:solidFill>
-                  <a:srgbClr val="003B4F"/>
-                </a:solidFill>
-                <a:latin typeface="Courier"/>
-              </a:rPr>
-              <a:t>location </a:t>
-            </a:r>
-            <a:r>
-              <a:rPr>
-                <a:solidFill>
-                  <a:srgbClr val="5E5E5E"/>
-                </a:solidFill>
-                <a:latin typeface="Courier"/>
-              </a:rPr>
-              <a:t>=</a:t>
-            </a:r>
-            <a:r>
-              <a:rPr>
-                <a:solidFill>
-                  <a:srgbClr val="003B4F"/>
-                </a:solidFill>
-                <a:latin typeface="Courier"/>
-              </a:rPr>
-              <a:t> </a:t>
-            </a:r>
-            <a:r>
-              <a:rPr>
-                <a:solidFill>
-                  <a:srgbClr val="20794D"/>
-                </a:solidFill>
-                <a:latin typeface="Courier"/>
-              </a:rPr>
-              <a:t>'London'</a:t>
-            </a:r>
-            <a:br/>
-            <a:r>
-              <a:rPr>
-                <a:solidFill>
-                  <a:srgbClr val="003B4F"/>
-                </a:solidFill>
-                <a:latin typeface="Courier"/>
-              </a:rPr>
-              <a:t>data </a:t>
-            </a:r>
-            <a:r>
-              <a:rPr>
-                <a:solidFill>
-                  <a:srgbClr val="5E5E5E"/>
-                </a:solidFill>
-                <a:latin typeface="Courier"/>
-              </a:rPr>
-              <a:t>=</a:t>
-            </a:r>
-            <a:r>
-              <a:rPr>
-                <a:solidFill>
-                  <a:srgbClr val="003B4F"/>
-                </a:solidFill>
-                <a:latin typeface="Courier"/>
-              </a:rPr>
-              <a:t> fetch_weather_data(api_key, location)</a:t>
-            </a:r>
-            <a:br/>
-            <a:r>
-              <a:rPr>
-                <a:solidFill>
-                  <a:srgbClr val="003B4F"/>
-                </a:solidFill>
-                <a:latin typeface="Courier"/>
-              </a:rPr>
-              <a:t>data</a:t>
-            </a:r>
-          </a:p>
         </p:txBody>
       </p:sp>
       <p:sp>
@@ -6761,7 +7687,7 @@
             </a:pPr>
             <a:r>
               <a:rPr/>
-              <a:t>Parsing JSON Data</a:t>
+              <a:t>Example - Create Function</a:t>
             </a:r>
           </a:p>
         </p:txBody>
@@ -6781,391 +7707,26 @@
           <a:bodyPr/>
           <a:lstStyle/>
           <a:p>
-            <a:pPr lvl="0"/>
-            <a:r>
-              <a:rPr/>
-              <a:t>Introduce the concept of JSON data and how it is used to represent data.</a:t>
-            </a:r>
-          </a:p>
-          <a:p>
-            <a:pPr lvl="0"/>
-            <a:r>
-              <a:rPr/>
-              <a:t>Demonstrate how to use the </a:t>
-            </a:r>
-            <a:r>
-              <a:rPr>
-                <a:latin typeface="Courier"/>
-              </a:rPr>
-              <a:t>json</a:t>
-            </a:r>
-            <a:r>
-              <a:rPr/>
-              <a:t> library to parse JSON data in Python.</a:t>
-            </a:r>
-          </a:p>
-          <a:p>
-            <a:pPr lvl="0"/>
-            <a:r>
-              <a:rPr/>
-              <a:t>Highlight the importance of data parsing and how it is used in the weather dashboard project.</a:t>
-            </a:r>
-          </a:p>
-          <a:p>
             <a:pPr lvl="0" indent="0">
               <a:buNone/>
             </a:pPr>
             <a:r>
               <a:rPr>
                 <a:solidFill>
+                  <a:srgbClr val="00769E"/>
+                </a:solidFill>
+                <a:latin typeface="Courier"/>
+              </a:rPr>
+              <a:t>import</a:t>
+            </a:r>
+            <a:r>
+              <a:rPr>
+                <a:solidFill>
                   <a:srgbClr val="003B4F"/>
                 </a:solidFill>
                 <a:latin typeface="Courier"/>
               </a:rPr>
-              <a:t>def parse_weather_data(data):</a:t>
-            </a:r>
-            <a:br/>
-            <a:r>
-              <a:rPr>
-                <a:solidFill>
-                  <a:srgbClr val="003B4F"/>
-                </a:solidFill>
-                <a:latin typeface="Courier"/>
-              </a:rPr>
-              <a:t>    if data:</a:t>
-            </a:r>
-            <a:br/>
-            <a:r>
-              <a:rPr>
-                <a:solidFill>
-                  <a:srgbClr val="003B4F"/>
-                </a:solidFill>
-                <a:latin typeface="Courier"/>
-              </a:rPr>
-              <a:t>        weather </a:t>
-            </a:r>
-            <a:r>
-              <a:rPr>
-                <a:solidFill>
-                  <a:srgbClr val="5E5E5E"/>
-                </a:solidFill>
-                <a:latin typeface="Courier"/>
-              </a:rPr>
-              <a:t>=</a:t>
-            </a:r>
-            <a:r>
-              <a:rPr>
-                <a:solidFill>
-                  <a:srgbClr val="003B4F"/>
-                </a:solidFill>
-                <a:latin typeface="Courier"/>
-              </a:rPr>
-              <a:t> {</a:t>
-            </a:r>
-            <a:br/>
-            <a:r>
-              <a:rPr>
-                <a:solidFill>
-                  <a:srgbClr val="003B4F"/>
-                </a:solidFill>
-                <a:latin typeface="Courier"/>
-              </a:rPr>
-              <a:t>            </a:t>
-            </a:r>
-            <a:r>
-              <a:rPr>
-                <a:solidFill>
-                  <a:srgbClr val="20794D"/>
-                </a:solidFill>
-                <a:latin typeface="Courier"/>
-              </a:rPr>
-              <a:t>"Location"</a:t>
-            </a:r>
-            <a:r>
-              <a:rPr>
-                <a:solidFill>
-                  <a:srgbClr val="003B4F"/>
-                </a:solidFill>
-                <a:latin typeface="Courier"/>
-              </a:rPr>
-              <a:t>: data[</a:t>
-            </a:r>
-            <a:r>
-              <a:rPr>
-                <a:solidFill>
-                  <a:srgbClr val="20794D"/>
-                </a:solidFill>
-                <a:latin typeface="Courier"/>
-              </a:rPr>
-              <a:t>"name"</a:t>
-            </a:r>
-            <a:r>
-              <a:rPr>
-                <a:solidFill>
-                  <a:srgbClr val="003B4F"/>
-                </a:solidFill>
-                <a:latin typeface="Courier"/>
-              </a:rPr>
-              <a:t>],</a:t>
-            </a:r>
-            <a:br/>
-            <a:r>
-              <a:rPr>
-                <a:solidFill>
-                  <a:srgbClr val="003B4F"/>
-                </a:solidFill>
-                <a:latin typeface="Courier"/>
-              </a:rPr>
-              <a:t>            </a:t>
-            </a:r>
-            <a:r>
-              <a:rPr>
-                <a:solidFill>
-                  <a:srgbClr val="20794D"/>
-                </a:solidFill>
-                <a:latin typeface="Courier"/>
-              </a:rPr>
-              <a:t>"Temperature (K)"</a:t>
-            </a:r>
-            <a:r>
-              <a:rPr>
-                <a:solidFill>
-                  <a:srgbClr val="003B4F"/>
-                </a:solidFill>
-                <a:latin typeface="Courier"/>
-              </a:rPr>
-              <a:t>: data[</a:t>
-            </a:r>
-            <a:r>
-              <a:rPr>
-                <a:solidFill>
-                  <a:srgbClr val="20794D"/>
-                </a:solidFill>
-                <a:latin typeface="Courier"/>
-              </a:rPr>
-              <a:t>"main"</a:t>
-            </a:r>
-            <a:r>
-              <a:rPr>
-                <a:solidFill>
-                  <a:srgbClr val="003B4F"/>
-                </a:solidFill>
-                <a:latin typeface="Courier"/>
-              </a:rPr>
-              <a:t>][</a:t>
-            </a:r>
-            <a:r>
-              <a:rPr>
-                <a:solidFill>
-                  <a:srgbClr val="20794D"/>
-                </a:solidFill>
-                <a:latin typeface="Courier"/>
-              </a:rPr>
-              <a:t>"temp"</a:t>
-            </a:r>
-            <a:r>
-              <a:rPr>
-                <a:solidFill>
-                  <a:srgbClr val="003B4F"/>
-                </a:solidFill>
-                <a:latin typeface="Courier"/>
-              </a:rPr>
-              <a:t>],</a:t>
-            </a:r>
-            <a:br/>
-            <a:r>
-              <a:rPr>
-                <a:solidFill>
-                  <a:srgbClr val="003B4F"/>
-                </a:solidFill>
-                <a:latin typeface="Courier"/>
-              </a:rPr>
-              <a:t>            </a:t>
-            </a:r>
-            <a:r>
-              <a:rPr>
-                <a:solidFill>
-                  <a:srgbClr val="20794D"/>
-                </a:solidFill>
-                <a:latin typeface="Courier"/>
-              </a:rPr>
-              <a:t>"Humidity (%)"</a:t>
-            </a:r>
-            <a:r>
-              <a:rPr>
-                <a:solidFill>
-                  <a:srgbClr val="003B4F"/>
-                </a:solidFill>
-                <a:latin typeface="Courier"/>
-              </a:rPr>
-              <a:t>: data[</a:t>
-            </a:r>
-            <a:r>
-              <a:rPr>
-                <a:solidFill>
-                  <a:srgbClr val="20794D"/>
-                </a:solidFill>
-                <a:latin typeface="Courier"/>
-              </a:rPr>
-              <a:t>"main"</a:t>
-            </a:r>
-            <a:r>
-              <a:rPr>
-                <a:solidFill>
-                  <a:srgbClr val="003B4F"/>
-                </a:solidFill>
-                <a:latin typeface="Courier"/>
-              </a:rPr>
-              <a:t>][</a:t>
-            </a:r>
-            <a:r>
-              <a:rPr>
-                <a:solidFill>
-                  <a:srgbClr val="20794D"/>
-                </a:solidFill>
-                <a:latin typeface="Courier"/>
-              </a:rPr>
-              <a:t>"humidity"</a:t>
-            </a:r>
-            <a:r>
-              <a:rPr>
-                <a:solidFill>
-                  <a:srgbClr val="003B4F"/>
-                </a:solidFill>
-                <a:latin typeface="Courier"/>
-              </a:rPr>
-              <a:t>],</a:t>
-            </a:r>
-            <a:br/>
-            <a:r>
-              <a:rPr>
-                <a:solidFill>
-                  <a:srgbClr val="003B4F"/>
-                </a:solidFill>
-                <a:latin typeface="Courier"/>
-              </a:rPr>
-              <a:t>            </a:t>
-            </a:r>
-            <a:r>
-              <a:rPr>
-                <a:solidFill>
-                  <a:srgbClr val="20794D"/>
-                </a:solidFill>
-                <a:latin typeface="Courier"/>
-              </a:rPr>
-              <a:t>"Weather"</a:t>
-            </a:r>
-            <a:r>
-              <a:rPr>
-                <a:solidFill>
-                  <a:srgbClr val="003B4F"/>
-                </a:solidFill>
-                <a:latin typeface="Courier"/>
-              </a:rPr>
-              <a:t>: data[</a:t>
-            </a:r>
-            <a:r>
-              <a:rPr>
-                <a:solidFill>
-                  <a:srgbClr val="20794D"/>
-                </a:solidFill>
-                <a:latin typeface="Courier"/>
-              </a:rPr>
-              <a:t>"weather"</a:t>
-            </a:r>
-            <a:r>
-              <a:rPr>
-                <a:solidFill>
-                  <a:srgbClr val="003B4F"/>
-                </a:solidFill>
-                <a:latin typeface="Courier"/>
-              </a:rPr>
-              <a:t>][</a:t>
-            </a:r>
-            <a:r>
-              <a:rPr>
-                <a:solidFill>
-                  <a:srgbClr val="AD0000"/>
-                </a:solidFill>
-                <a:latin typeface="Courier"/>
-              </a:rPr>
-              <a:t>0</a:t>
-            </a:r>
-            <a:r>
-              <a:rPr>
-                <a:solidFill>
-                  <a:srgbClr val="003B4F"/>
-                </a:solidFill>
-                <a:latin typeface="Courier"/>
-              </a:rPr>
-              <a:t>][</a:t>
-            </a:r>
-            <a:r>
-              <a:rPr>
-                <a:solidFill>
-                  <a:srgbClr val="20794D"/>
-                </a:solidFill>
-                <a:latin typeface="Courier"/>
-              </a:rPr>
-              <a:t>"description"</a:t>
-            </a:r>
-            <a:r>
-              <a:rPr>
-                <a:solidFill>
-                  <a:srgbClr val="003B4F"/>
-                </a:solidFill>
-                <a:latin typeface="Courier"/>
-              </a:rPr>
-              <a:t>]</a:t>
-            </a:r>
-            <a:br/>
-            <a:r>
-              <a:rPr>
-                <a:solidFill>
-                  <a:srgbClr val="003B4F"/>
-                </a:solidFill>
-                <a:latin typeface="Courier"/>
-              </a:rPr>
-              <a:t>        }</a:t>
-            </a:r>
-            <a:br/>
-            <a:r>
-              <a:rPr>
-                <a:solidFill>
-                  <a:srgbClr val="003B4F"/>
-                </a:solidFill>
-                <a:latin typeface="Courier"/>
-              </a:rPr>
-              <a:t>        return weather</a:t>
-            </a:r>
-            <a:br/>
-            <a:r>
-              <a:rPr>
-                <a:solidFill>
-                  <a:srgbClr val="003B4F"/>
-                </a:solidFill>
-                <a:latin typeface="Courier"/>
-              </a:rPr>
-              <a:t>    else:</a:t>
-            </a:r>
-            <a:br/>
-            <a:r>
-              <a:rPr>
-                <a:solidFill>
-                  <a:srgbClr val="003B4F"/>
-                </a:solidFill>
-                <a:latin typeface="Courier"/>
-              </a:rPr>
-              <a:t>        return </a:t>
-            </a:r>
-            <a:r>
-              <a:rPr>
-                <a:solidFill>
-                  <a:srgbClr val="111111"/>
-                </a:solidFill>
-                <a:latin typeface="Courier"/>
-              </a:rPr>
-              <a:t>None</a:t>
+              <a:t> requests</a:t>
             </a:r>
             <a:br/>
             <a:br/>
@@ -7176,7 +7737,17 @@
                 </a:solidFill>
                 <a:latin typeface="Courier"/>
               </a:rPr>
-              <a:t>parsed_data </a:t>
+              <a:t>def fetch_weather_data(api_key, location):</a:t>
+            </a:r>
+            <a:br/>
+            <a:r>
+              <a:rPr>
+                <a:solidFill>
+                  <a:srgbClr val="003B4F"/>
+                </a:solidFill>
+                <a:latin typeface="Courier"/>
+              </a:rPr>
+              <a:t>    url </a:t>
             </a:r>
             <a:r>
               <a:rPr>
@@ -7194,7 +7765,88 @@
                 </a:solidFill>
                 <a:latin typeface="Courier"/>
               </a:rPr>
-              <a:t> parse_weather_data(data)</a:t>
+              <a:t> </a:t>
+            </a:r>
+            <a:r>
+              <a:rPr>
+                <a:solidFill>
+                  <a:srgbClr val="20794D"/>
+                </a:solidFill>
+                <a:latin typeface="Courier"/>
+              </a:rPr>
+              <a:t>f"http://api.openweathermap.org/data/2.5/weather?q=</a:t>
+            </a:r>
+            <a:r>
+              <a:rPr>
+                <a:solidFill>
+                  <a:srgbClr val="5E5E5E"/>
+                </a:solidFill>
+                <a:latin typeface="Courier"/>
+              </a:rPr>
+              <a:t>{</a:t>
+            </a:r>
+            <a:r>
+              <a:rPr>
+                <a:solidFill>
+                  <a:srgbClr val="003B4F"/>
+                </a:solidFill>
+                <a:latin typeface="Courier"/>
+              </a:rPr>
+              <a:t>location</a:t>
+            </a:r>
+            <a:r>
+              <a:rPr>
+                <a:solidFill>
+                  <a:srgbClr val="5E5E5E"/>
+                </a:solidFill>
+                <a:latin typeface="Courier"/>
+              </a:rPr>
+              <a:t>}</a:t>
+            </a:r>
+            <a:r>
+              <a:rPr>
+                <a:solidFill>
+                  <a:srgbClr val="20794D"/>
+                </a:solidFill>
+                <a:latin typeface="Courier"/>
+              </a:rPr>
+              <a:t>&amp;appid=</a:t>
+            </a:r>
+            <a:r>
+              <a:rPr>
+                <a:solidFill>
+                  <a:srgbClr val="5E5E5E"/>
+                </a:solidFill>
+                <a:latin typeface="Courier"/>
+              </a:rPr>
+              <a:t>{</a:t>
+            </a:r>
+            <a:r>
+              <a:rPr>
+                <a:solidFill>
+                  <a:srgbClr val="003B4F"/>
+                </a:solidFill>
+                <a:latin typeface="Courier"/>
+              </a:rPr>
+              <a:t>api_key</a:t>
+            </a:r>
+            <a:r>
+              <a:rPr>
+                <a:solidFill>
+                  <a:srgbClr val="5E5E5E"/>
+                </a:solidFill>
+                <a:latin typeface="Courier"/>
+              </a:rPr>
+              <a:t>}</a:t>
+            </a:r>
+            <a:r>
+              <a:rPr>
+                <a:solidFill>
+                  <a:srgbClr val="20794D"/>
+                </a:solidFill>
+                <a:latin typeface="Courier"/>
+              </a:rPr>
+              <a:t>"</a:t>
             </a:r>
             <a:br/>
             <a:r>
@@ -7204,7 +7856,220 @@
                 </a:solidFill>
                 <a:latin typeface="Courier"/>
               </a:rPr>
-              <a:t>parsed_data</a:t>
+              <a:t>    response </a:t>
+            </a:r>
+            <a:r>
+              <a:rPr>
+                <a:solidFill>
+                  <a:srgbClr val="5E5E5E"/>
+                </a:solidFill>
+                <a:latin typeface="Courier"/>
+              </a:rPr>
+              <a:t>=</a:t>
+            </a:r>
+            <a:r>
+              <a:rPr>
+                <a:solidFill>
+                  <a:srgbClr val="003B4F"/>
+                </a:solidFill>
+                <a:latin typeface="Courier"/>
+              </a:rPr>
+              <a:t> requests.get(url)</a:t>
+            </a:r>
+            <a:br/>
+            <a:r>
+              <a:rPr>
+                <a:solidFill>
+                  <a:srgbClr val="003B4F"/>
+                </a:solidFill>
+                <a:latin typeface="Courier"/>
+              </a:rPr>
+              <a:t>    if response.status_code </a:t>
+            </a:r>
+            <a:r>
+              <a:rPr>
+                <a:solidFill>
+                  <a:srgbClr val="5E5E5E"/>
+                </a:solidFill>
+                <a:latin typeface="Courier"/>
+              </a:rPr>
+              <a:t>==</a:t>
+            </a:r>
+            <a:r>
+              <a:rPr>
+                <a:solidFill>
+                  <a:srgbClr val="003B4F"/>
+                </a:solidFill>
+                <a:latin typeface="Courier"/>
+              </a:rPr>
+              <a:t> </a:t>
+            </a:r>
+            <a:r>
+              <a:rPr>
+                <a:solidFill>
+                  <a:srgbClr val="AD0000"/>
+                </a:solidFill>
+                <a:latin typeface="Courier"/>
+              </a:rPr>
+              <a:t>200</a:t>
+            </a:r>
+            <a:r>
+              <a:rPr>
+                <a:solidFill>
+                  <a:srgbClr val="003B4F"/>
+                </a:solidFill>
+                <a:latin typeface="Courier"/>
+              </a:rPr>
+              <a:t>:</a:t>
+            </a:r>
+            <a:br/>
+            <a:r>
+              <a:rPr>
+                <a:solidFill>
+                  <a:srgbClr val="003B4F"/>
+                </a:solidFill>
+                <a:latin typeface="Courier"/>
+              </a:rPr>
+              <a:t>        data </a:t>
+            </a:r>
+            <a:r>
+              <a:rPr>
+                <a:solidFill>
+                  <a:srgbClr val="5E5E5E"/>
+                </a:solidFill>
+                <a:latin typeface="Courier"/>
+              </a:rPr>
+              <a:t>=</a:t>
+            </a:r>
+            <a:r>
+              <a:rPr>
+                <a:solidFill>
+                  <a:srgbClr val="003B4F"/>
+                </a:solidFill>
+                <a:latin typeface="Courier"/>
+              </a:rPr>
+              <a:t> response.json()</a:t>
+            </a:r>
+            <a:br/>
+            <a:r>
+              <a:rPr>
+                <a:solidFill>
+                  <a:srgbClr val="003B4F"/>
+                </a:solidFill>
+                <a:latin typeface="Courier"/>
+              </a:rPr>
+              <a:t>        return data</a:t>
+            </a:r>
+            <a:br/>
+            <a:r>
+              <a:rPr>
+                <a:solidFill>
+                  <a:srgbClr val="003B4F"/>
+                </a:solidFill>
+                <a:latin typeface="Courier"/>
+              </a:rPr>
+              <a:t>    else:</a:t>
+            </a:r>
+            <a:br/>
+            <a:r>
+              <a:rPr>
+                <a:solidFill>
+                  <a:srgbClr val="003B4F"/>
+                </a:solidFill>
+                <a:latin typeface="Courier"/>
+              </a:rPr>
+              <a:t>        print(</a:t>
+            </a:r>
+            <a:r>
+              <a:rPr>
+                <a:solidFill>
+                  <a:srgbClr val="20794D"/>
+                </a:solidFill>
+                <a:latin typeface="Courier"/>
+              </a:rPr>
+              <a:t>f"Failed to fetch data: </a:t>
+            </a:r>
+            <a:r>
+              <a:rPr>
+                <a:solidFill>
+                  <a:srgbClr val="5E5E5E"/>
+                </a:solidFill>
+                <a:latin typeface="Courier"/>
+              </a:rPr>
+              <a:t>{</a:t>
+            </a:r>
+            <a:r>
+              <a:rPr>
+                <a:solidFill>
+                  <a:srgbClr val="003B4F"/>
+                </a:solidFill>
+                <a:latin typeface="Courier"/>
+              </a:rPr>
+              <a:t>response</a:t>
+            </a:r>
+            <a:r>
+              <a:rPr>
+                <a:solidFill>
+                  <a:srgbClr val="5E5E5E"/>
+                </a:solidFill>
+                <a:latin typeface="Courier"/>
+              </a:rPr>
+              <a:t>.</a:t>
+            </a:r>
+            <a:r>
+              <a:rPr>
+                <a:solidFill>
+                  <a:srgbClr val="003B4F"/>
+                </a:solidFill>
+                <a:latin typeface="Courier"/>
+              </a:rPr>
+              <a:t>status_code</a:t>
+            </a:r>
+            <a:r>
+              <a:rPr>
+                <a:solidFill>
+                  <a:srgbClr val="5E5E5E"/>
+                </a:solidFill>
+                <a:latin typeface="Courier"/>
+              </a:rPr>
+              <a:t>}</a:t>
+            </a:r>
+            <a:r>
+              <a:rPr>
+                <a:solidFill>
+                  <a:srgbClr val="20794D"/>
+                </a:solidFill>
+                <a:latin typeface="Courier"/>
+              </a:rPr>
+              <a:t>"</a:t>
+            </a:r>
+            <a:r>
+              <a:rPr>
+                <a:solidFill>
+                  <a:srgbClr val="003B4F"/>
+                </a:solidFill>
+                <a:latin typeface="Courier"/>
+              </a:rPr>
+              <a:t>)</a:t>
+            </a:r>
+            <a:br/>
+            <a:r>
+              <a:rPr>
+                <a:solidFill>
+                  <a:srgbClr val="003B4F"/>
+                </a:solidFill>
+                <a:latin typeface="Courier"/>
+              </a:rPr>
+              <a:t>        return </a:t>
+            </a:r>
+            <a:r>
+              <a:rPr>
+                <a:solidFill>
+                  <a:srgbClr val="111111"/>
+                </a:solidFill>
+                <a:latin typeface="Courier"/>
+              </a:rPr>
+              <a:t>None</a:t>
             </a:r>
           </a:p>
         </p:txBody>
@@ -7294,7 +8159,7 @@
             </a:pPr>
             <a:r>
               <a:rPr/>
-              <a:t>Saving Data to a CSV File</a:t>
+              <a:t>Example - Use function</a:t>
             </a:r>
           </a:p>
         </p:txBody>
@@ -7314,42 +8179,26 @@
           <a:bodyPr/>
           <a:lstStyle/>
           <a:p>
-            <a:pPr lvl="0"/>
-            <a:r>
-              <a:rPr/>
-              <a:t>We’ll save the fetched data to a CSV file using pandas.</a:t>
-            </a:r>
-          </a:p>
-          <a:p>
             <a:pPr lvl="0" indent="0">
               <a:buNone/>
             </a:pPr>
             <a:r>
               <a:rPr>
                 <a:solidFill>
-                  <a:srgbClr val="00769E"/>
-                </a:solidFill>
-                <a:latin typeface="Courier"/>
-              </a:rPr>
-              <a:t>import</a:t>
-            </a:r>
-            <a:r>
-              <a:rPr>
-                <a:solidFill>
                   <a:srgbClr val="003B4F"/>
                 </a:solidFill>
                 <a:latin typeface="Courier"/>
               </a:rPr>
-              <a:t> pandas </a:t>
-            </a:r>
-            <a:r>
-              <a:rPr>
-                <a:solidFill>
-                  <a:srgbClr val="00769E"/>
-                </a:solidFill>
-                <a:latin typeface="Courier"/>
-              </a:rPr>
-              <a:t>as</a:t>
+              <a:t>api_key </a:t>
+            </a:r>
+            <a:r>
+              <a:rPr>
+                <a:solidFill>
+                  <a:srgbClr val="5E5E5E"/>
+                </a:solidFill>
+                <a:latin typeface="Courier"/>
+              </a:rPr>
+              <a:t>=</a:t>
             </a:r>
             <a:r>
               <a:rPr>
@@ -7358,9 +8207,54 @@
                 </a:solidFill>
                 <a:latin typeface="Courier"/>
               </a:rPr>
-              <a:t> pd</a:t>
+              <a:t> </a:t>
+            </a:r>
+            <a:r>
+              <a:rPr>
+                <a:solidFill>
+                  <a:srgbClr val="20794D"/>
+                </a:solidFill>
+                <a:latin typeface="Courier"/>
+              </a:rPr>
+              <a:t>'your_api_key_here'</a:t>
             </a:r>
             <a:br/>
+            <a:r>
+              <a:rPr>
+                <a:solidFill>
+                  <a:srgbClr val="003B4F"/>
+                </a:solidFill>
+                <a:latin typeface="Courier"/>
+              </a:rPr>
+              <a:t>location </a:t>
+            </a:r>
+            <a:r>
+              <a:rPr>
+                <a:solidFill>
+                  <a:srgbClr val="5E5E5E"/>
+                </a:solidFill>
+                <a:latin typeface="Courier"/>
+              </a:rPr>
+              <a:t>=</a:t>
+            </a:r>
+            <a:r>
+              <a:rPr>
+                <a:solidFill>
+                  <a:srgbClr val="003B4F"/>
+                </a:solidFill>
+                <a:latin typeface="Courier"/>
+              </a:rPr>
+              <a:t> </a:t>
+            </a:r>
+            <a:r>
+              <a:rPr>
+                <a:solidFill>
+                  <a:srgbClr val="20794D"/>
+                </a:solidFill>
+                <a:latin typeface="Courier"/>
+              </a:rPr>
+              <a:t>'London'</a:t>
+            </a:r>
             <a:br/>
             <a:r>
               <a:rPr>
@@ -7369,7 +8263,25 @@
                 </a:solidFill>
                 <a:latin typeface="Courier"/>
               </a:rPr>
-              <a:t>def save_to_csv(data, filename):</a:t>
+              <a:t>data </a:t>
+            </a:r>
+            <a:r>
+              <a:rPr>
+                <a:solidFill>
+                  <a:srgbClr val="5E5E5E"/>
+                </a:solidFill>
+                <a:latin typeface="Courier"/>
+              </a:rPr>
+              <a:t>=</a:t>
+            </a:r>
+            <a:r>
+              <a:rPr>
+                <a:solidFill>
+                  <a:srgbClr val="003B4F"/>
+                </a:solidFill>
+                <a:latin typeface="Courier"/>
+              </a:rPr>
+              <a:t> fetch_weather_data(api_key, location)</a:t>
             </a:r>
             <a:br/>
             <a:r>
@@ -7379,151 +8291,7 @@
                 </a:solidFill>
                 <a:latin typeface="Courier"/>
               </a:rPr>
-              <a:t>    df </a:t>
-            </a:r>
-            <a:r>
-              <a:rPr>
-                <a:solidFill>
-                  <a:srgbClr val="5E5E5E"/>
-                </a:solidFill>
-                <a:latin typeface="Courier"/>
-              </a:rPr>
-              <a:t>=</a:t>
-            </a:r>
-            <a:r>
-              <a:rPr>
-                <a:solidFill>
-                  <a:srgbClr val="003B4F"/>
-                </a:solidFill>
-                <a:latin typeface="Courier"/>
-              </a:rPr>
-              <a:t> pd.DataFrame([data])</a:t>
-            </a:r>
-            <a:br/>
-            <a:r>
-              <a:rPr>
-                <a:solidFill>
-                  <a:srgbClr val="003B4F"/>
-                </a:solidFill>
-                <a:latin typeface="Courier"/>
-              </a:rPr>
-              <a:t>    df.to_csv(filename, index</a:t>
-            </a:r>
-            <a:r>
-              <a:rPr>
-                <a:solidFill>
-                  <a:srgbClr val="5E5E5E"/>
-                </a:solidFill>
-                <a:latin typeface="Courier"/>
-              </a:rPr>
-              <a:t>=</a:t>
-            </a:r>
-            <a:r>
-              <a:rPr>
-                <a:solidFill>
-                  <a:srgbClr val="111111"/>
-                </a:solidFill>
-                <a:latin typeface="Courier"/>
-              </a:rPr>
-              <a:t>False</a:t>
-            </a:r>
-            <a:r>
-              <a:rPr>
-                <a:solidFill>
-                  <a:srgbClr val="003B4F"/>
-                </a:solidFill>
-                <a:latin typeface="Courier"/>
-              </a:rPr>
-              <a:t>)</a:t>
-            </a:r>
-            <a:br/>
-            <a:br/>
-            <a:r>
-              <a:rPr>
-                <a:solidFill>
-                  <a:srgbClr val="003B4F"/>
-                </a:solidFill>
-                <a:latin typeface="Courier"/>
-              </a:rPr>
-              <a:t>save_to_csv(parsed_data, </a:t>
-            </a:r>
-            <a:r>
-              <a:rPr>
-                <a:solidFill>
-                  <a:srgbClr val="20794D"/>
-                </a:solidFill>
-                <a:latin typeface="Courier"/>
-              </a:rPr>
-              <a:t>'data/raw/weather_data.csv'</a:t>
-            </a:r>
-            <a:r>
-              <a:rPr>
-                <a:solidFill>
-                  <a:srgbClr val="003B4F"/>
-                </a:solidFill>
-                <a:latin typeface="Courier"/>
-              </a:rPr>
-              <a:t>)</a:t>
-            </a:r>
-          </a:p>
-          <a:p>
-            <a:pPr lvl="0" indent="0">
-              <a:buNone/>
-            </a:pPr>
-            <a:r>
-              <a:rPr>
-                <a:solidFill>
-                  <a:srgbClr val="003B4F"/>
-                </a:solidFill>
-                <a:latin typeface="Courier"/>
-              </a:rPr>
-              <a:t>df </a:t>
-            </a:r>
-            <a:r>
-              <a:rPr>
-                <a:solidFill>
-                  <a:srgbClr val="5E5E5E"/>
-                </a:solidFill>
-                <a:latin typeface="Courier"/>
-              </a:rPr>
-              <a:t>=</a:t>
-            </a:r>
-            <a:r>
-              <a:rPr>
-                <a:solidFill>
-                  <a:srgbClr val="003B4F"/>
-                </a:solidFill>
-                <a:latin typeface="Courier"/>
-              </a:rPr>
-              <a:t> pd.read_csv(</a:t>
-            </a:r>
-            <a:r>
-              <a:rPr>
-                <a:solidFill>
-                  <a:srgbClr val="20794D"/>
-                </a:solidFill>
-                <a:latin typeface="Courier"/>
-              </a:rPr>
-              <a:t>'data/raw/weather_data.csv'</a:t>
-            </a:r>
-            <a:r>
-              <a:rPr>
-                <a:solidFill>
-                  <a:srgbClr val="003B4F"/>
-                </a:solidFill>
-                <a:latin typeface="Courier"/>
-              </a:rPr>
-              <a:t>)</a:t>
-            </a:r>
-            <a:br/>
-            <a:r>
-              <a:rPr>
-                <a:solidFill>
-                  <a:srgbClr val="003B4F"/>
-                </a:solidFill>
-                <a:latin typeface="Courier"/>
-              </a:rPr>
-              <a:t>df</a:t>
+              <a:t>data</a:t>
             </a:r>
           </a:p>
         </p:txBody>
@@ -7613,7 +8381,7 @@
             </a:pPr>
             <a:r>
               <a:rPr/>
-              <a:t>Error Handling</a:t>
+              <a:t>What is JSON</a:t>
             </a:r>
           </a:p>
         </p:txBody>
@@ -7636,100 +8404,28 @@
             <a:pPr lvl="0"/>
             <a:r>
               <a:rPr/>
-              <a:t>Introduce the concept of error handling in Python and its importance.</a:t>
+              <a:t>JavaScript Object Notation,</a:t>
             </a:r>
           </a:p>
           <a:p>
             <a:pPr lvl="0"/>
             <a:r>
               <a:rPr/>
-              <a:t>Demonstrate how to use try-except blocks to handle errors in Python.</a:t>
+              <a:t>JSON is a text-based format</a:t>
             </a:r>
           </a:p>
           <a:p>
             <a:pPr lvl="0"/>
             <a:r>
               <a:rPr/>
-              <a:t>Highlight the importance of error handling in the weather dashboard project.</a:t>
-            </a:r>
-          </a:p>
-          <a:p>
-            <a:pPr lvl="0" indent="0">
-              <a:buNone/>
-            </a:pPr>
-            <a:r>
-              <a:rPr>
-                <a:solidFill>
-                  <a:srgbClr val="003B4F"/>
-                </a:solidFill>
-                <a:latin typeface="Courier"/>
-              </a:rPr>
-              <a:t>invalid_location </a:t>
-            </a:r>
-            <a:r>
-              <a:rPr>
-                <a:solidFill>
-                  <a:srgbClr val="5E5E5E"/>
-                </a:solidFill>
-                <a:latin typeface="Courier"/>
-              </a:rPr>
-              <a:t>=</a:t>
-            </a:r>
-            <a:r>
-              <a:rPr>
-                <a:solidFill>
-                  <a:srgbClr val="003B4F"/>
-                </a:solidFill>
-                <a:latin typeface="Courier"/>
-              </a:rPr>
-              <a:t> </a:t>
-            </a:r>
-            <a:r>
-              <a:rPr>
-                <a:solidFill>
-                  <a:srgbClr val="20794D"/>
-                </a:solidFill>
-                <a:latin typeface="Courier"/>
-              </a:rPr>
-              <a:t>'InvalidCity'</a:t>
-            </a:r>
-            <a:br/>
-            <a:r>
-              <a:rPr>
-                <a:solidFill>
-                  <a:srgbClr val="003B4F"/>
-                </a:solidFill>
-                <a:latin typeface="Courier"/>
-              </a:rPr>
-              <a:t>invalid_data </a:t>
-            </a:r>
-            <a:r>
-              <a:rPr>
-                <a:solidFill>
-                  <a:srgbClr val="5E5E5E"/>
-                </a:solidFill>
-                <a:latin typeface="Courier"/>
-              </a:rPr>
-              <a:t>=</a:t>
-            </a:r>
-            <a:r>
-              <a:rPr>
-                <a:solidFill>
-                  <a:srgbClr val="003B4F"/>
-                </a:solidFill>
-                <a:latin typeface="Courier"/>
-              </a:rPr>
-              <a:t> fetch_weather_data(api_key, invalid_location)</a:t>
-            </a:r>
-            <a:br/>
-            <a:r>
-              <a:rPr>
-                <a:solidFill>
-                  <a:srgbClr val="003B4F"/>
-                </a:solidFill>
-                <a:latin typeface="Courier"/>
-              </a:rPr>
-              <a:t>invalid_data</a:t>
+              <a:t>JSON is easy to read and write</a:t>
+            </a:r>
+          </a:p>
+          <a:p>
+            <a:pPr lvl="0"/>
+            <a:r>
+              <a:rPr/>
+              <a:t>JSON is widely used for data exchange</a:t>
             </a:r>
           </a:p>
         </p:txBody>

--- a/slides/02_fetching_data.pptx
+++ b/slides/02_fetching_data.pptx
@@ -5139,7 +5139,7 @@
             </a:pPr>
             <a:r>
               <a:rPr/>
-              <a:t>Fetching Data Using OpenWeatherMap API</a:t>
+              <a:t>API Adventures: Conquering OpenWeatherMap</a:t>
             </a:r>
           </a:p>
         </p:txBody>
@@ -5167,6 +5167,10 @@
             <a:pPr lvl="0" indent="0" marL="0">
               <a:buNone/>
             </a:pPr>
+            <a:r>
+              <a:rPr/>
+              <a:t>From API Requests to CSV Files in a Breeze</a:t>
+            </a:r>
             <a:br/>
             <a:br/>
             <a:r>
